--- a/大纲outline.pptx
+++ b/大纲outline.pptx
@@ -9,6 +9,7 @@
     <p:sldId id="257" r:id="rId3"/>
     <p:sldId id="258" r:id="rId4"/>
     <p:sldId id="259" r:id="rId5"/>
+    <p:sldId id="260" r:id="rId6"/>
   </p:sldIdLst>
   <p:sldSz cx="12192000" cy="6858000"/>
   <p:notesSz cx="6858000" cy="9144000"/>
@@ -341,7 +342,7 @@
           <a:p>
             <a:fld id="{294672D4-4664-4A7E-9A3E-F06AA24E3392}" type="datetimeFigureOut">
               <a:rPr lang="zh-CN" altLang="en-US" smtClean="0"/>
-              <a:t>2021/4/24</a:t>
+              <a:t>2021/8/6</a:t>
             </a:fld>
             <a:endParaRPr lang="zh-CN" altLang="en-US"/>
           </a:p>
@@ -549,7 +550,7 @@
           <a:p>
             <a:fld id="{294672D4-4664-4A7E-9A3E-F06AA24E3392}" type="datetimeFigureOut">
               <a:rPr lang="zh-CN" altLang="en-US" smtClean="0"/>
-              <a:t>2021/4/24</a:t>
+              <a:t>2021/8/6</a:t>
             </a:fld>
             <a:endParaRPr lang="zh-CN" altLang="en-US"/>
           </a:p>
@@ -805,7 +806,7 @@
           <a:p>
             <a:fld id="{294672D4-4664-4A7E-9A3E-F06AA24E3392}" type="datetimeFigureOut">
               <a:rPr lang="zh-CN" altLang="en-US" smtClean="0"/>
-              <a:t>2021/4/24</a:t>
+              <a:t>2021/8/6</a:t>
             </a:fld>
             <a:endParaRPr lang="zh-CN" altLang="en-US"/>
           </a:p>
@@ -979,7 +980,7 @@
           <a:p>
             <a:fld id="{294672D4-4664-4A7E-9A3E-F06AA24E3392}" type="datetimeFigureOut">
               <a:rPr lang="zh-CN" altLang="en-US" smtClean="0"/>
-              <a:t>2021/4/24</a:t>
+              <a:t>2021/8/6</a:t>
             </a:fld>
             <a:endParaRPr lang="zh-CN" altLang="en-US"/>
           </a:p>
@@ -1322,7 +1323,7 @@
           <a:p>
             <a:fld id="{294672D4-4664-4A7E-9A3E-F06AA24E3392}" type="datetimeFigureOut">
               <a:rPr lang="zh-CN" altLang="en-US" smtClean="0"/>
-              <a:t>2021/4/24</a:t>
+              <a:t>2021/8/6</a:t>
             </a:fld>
             <a:endParaRPr lang="zh-CN" altLang="en-US"/>
           </a:p>
@@ -1597,7 +1598,7 @@
           <a:p>
             <a:fld id="{294672D4-4664-4A7E-9A3E-F06AA24E3392}" type="datetimeFigureOut">
               <a:rPr lang="zh-CN" altLang="en-US" smtClean="0"/>
-              <a:t>2021/4/24</a:t>
+              <a:t>2021/8/6</a:t>
             </a:fld>
             <a:endParaRPr lang="zh-CN" altLang="en-US"/>
           </a:p>
@@ -1976,7 +1977,7 @@
           <a:p>
             <a:fld id="{294672D4-4664-4A7E-9A3E-F06AA24E3392}" type="datetimeFigureOut">
               <a:rPr lang="zh-CN" altLang="en-US" smtClean="0"/>
-              <a:t>2021/4/24</a:t>
+              <a:t>2021/8/6</a:t>
             </a:fld>
             <a:endParaRPr lang="zh-CN" altLang="en-US"/>
           </a:p>
@@ -2094,7 +2095,7 @@
           <a:p>
             <a:fld id="{294672D4-4664-4A7E-9A3E-F06AA24E3392}" type="datetimeFigureOut">
               <a:rPr lang="zh-CN" altLang="en-US" smtClean="0"/>
-              <a:t>2021/4/24</a:t>
+              <a:t>2021/8/6</a:t>
             </a:fld>
             <a:endParaRPr lang="zh-CN" altLang="en-US"/>
           </a:p>
@@ -2265,7 +2266,7 @@
           <a:p>
             <a:fld id="{294672D4-4664-4A7E-9A3E-F06AA24E3392}" type="datetimeFigureOut">
               <a:rPr lang="zh-CN" altLang="en-US" smtClean="0"/>
-              <a:t>2021/4/24</a:t>
+              <a:t>2021/8/6</a:t>
             </a:fld>
             <a:endParaRPr lang="zh-CN" altLang="en-US"/>
           </a:p>
@@ -2619,7 +2620,7 @@
           <a:p>
             <a:fld id="{294672D4-4664-4A7E-9A3E-F06AA24E3392}" type="datetimeFigureOut">
               <a:rPr lang="zh-CN" altLang="en-US" smtClean="0"/>
-              <a:t>2021/4/24</a:t>
+              <a:t>2021/8/6</a:t>
             </a:fld>
             <a:endParaRPr lang="zh-CN" altLang="en-US"/>
           </a:p>
@@ -3001,7 +3002,7 @@
           <a:p>
             <a:fld id="{294672D4-4664-4A7E-9A3E-F06AA24E3392}" type="datetimeFigureOut">
               <a:rPr lang="zh-CN" altLang="en-US" smtClean="0"/>
-              <a:t>2021/4/24</a:t>
+              <a:t>2021/8/6</a:t>
             </a:fld>
             <a:endParaRPr lang="zh-CN" altLang="en-US"/>
           </a:p>
@@ -3288,7 +3289,7 @@
           <a:p>
             <a:fld id="{294672D4-4664-4A7E-9A3E-F06AA24E3392}" type="datetimeFigureOut">
               <a:rPr lang="zh-CN" altLang="en-US" smtClean="0"/>
-              <a:t>2021/4/24</a:t>
+              <a:t>2021/8/6</a:t>
             </a:fld>
             <a:endParaRPr lang="zh-CN" altLang="en-US"/>
           </a:p>
@@ -4350,6 +4351,177 @@
 </p:sld>
 </file>
 
+<file path=ppt/slides/slide5.xml><?xml version="1.0" encoding="utf-8"?>
+<p:sld xmlns:a="http://schemas.openxmlformats.org/drawingml/2006/main" xmlns:r="http://schemas.openxmlformats.org/officeDocument/2006/relationships" xmlns:p="http://schemas.openxmlformats.org/presentationml/2006/main">
+  <p:cSld>
+    <p:spTree>
+      <p:nvGrpSpPr>
+        <p:cNvPr id="1" name=""/>
+        <p:cNvGrpSpPr/>
+        <p:nvPr/>
+      </p:nvGrpSpPr>
+      <p:grpSpPr>
+        <a:xfrm>
+          <a:off x="0" y="0"/>
+          <a:ext cx="0" cy="0"/>
+          <a:chOff x="0" y="0"/>
+          <a:chExt cx="0" cy="0"/>
+        </a:xfrm>
+      </p:grpSpPr>
+      <p:sp>
+        <p:nvSpPr>
+          <p:cNvPr id="2" name="标题 1">
+            <a:extLst>
+              <a:ext uri="{FF2B5EF4-FFF2-40B4-BE49-F238E27FC236}">
+                <a16:creationId xmlns:a16="http://schemas.microsoft.com/office/drawing/2014/main" id="{F7146944-5F2A-4F9A-A41D-CD0BB7F722EC}"/>
+              </a:ext>
+            </a:extLst>
+          </p:cNvPr>
+          <p:cNvSpPr>
+            <a:spLocks noGrp="1"/>
+          </p:cNvSpPr>
+          <p:nvPr>
+            <p:ph type="title"/>
+          </p:nvPr>
+        </p:nvSpPr>
+        <p:spPr/>
+        <p:txBody>
+          <a:bodyPr/>
+          <a:lstStyle/>
+          <a:p>
+            <a:r>
+              <a:rPr lang="en-US" altLang="zh-CN" dirty="0"/>
+              <a:t>MVVM</a:t>
+            </a:r>
+            <a:endParaRPr lang="zh-CN" altLang="en-US" dirty="0"/>
+          </a:p>
+        </p:txBody>
+      </p:sp>
+      <p:sp>
+        <p:nvSpPr>
+          <p:cNvPr id="3" name="内容占位符 2">
+            <a:extLst>
+              <a:ext uri="{FF2B5EF4-FFF2-40B4-BE49-F238E27FC236}">
+                <a16:creationId xmlns:a16="http://schemas.microsoft.com/office/drawing/2014/main" id="{159CA246-B44D-42E0-9291-146538793829}"/>
+              </a:ext>
+            </a:extLst>
+          </p:cNvPr>
+          <p:cNvSpPr>
+            <a:spLocks noGrp="1"/>
+          </p:cNvSpPr>
+          <p:nvPr>
+            <p:ph idx="1"/>
+          </p:nvPr>
+        </p:nvSpPr>
+        <p:spPr/>
+        <p:txBody>
+          <a:bodyPr/>
+          <a:lstStyle/>
+          <a:p>
+            <a:pPr>
+              <a:buFont typeface="Wingdings" panose="05000000000000000000" pitchFamily="2" charset="2"/>
+              <a:buChar char="l"/>
+            </a:pPr>
+            <a:r>
+              <a:rPr lang="zh-CN" altLang="en-US" dirty="0">
+                <a:hlinkClick r:id="rId2"/>
+              </a:rPr>
+              <a:t>开发适用于 </a:t>
+            </a:r>
+            <a:r>
+              <a:rPr lang="en-US" altLang="zh-CN" dirty="0">
+                <a:hlinkClick r:id="rId2"/>
+              </a:rPr>
+              <a:t>Windows </a:t>
+            </a:r>
+            <a:r>
+              <a:rPr lang="zh-CN" altLang="en-US" dirty="0">
+                <a:hlinkClick r:id="rId2"/>
+              </a:rPr>
+              <a:t>的桌面应用 </a:t>
+            </a:r>
+            <a:r>
+              <a:rPr lang="en-US" altLang="zh-CN" dirty="0">
+                <a:hlinkClick r:id="rId2"/>
+              </a:rPr>
+              <a:t>| Microsoft Docs</a:t>
+            </a:r>
+            <a:endParaRPr lang="en-US" altLang="zh-CN" dirty="0"/>
+          </a:p>
+          <a:p>
+            <a:pPr>
+              <a:buFont typeface="Wingdings" panose="05000000000000000000" pitchFamily="2" charset="2"/>
+              <a:buChar char="l"/>
+            </a:pPr>
+            <a:r>
+              <a:rPr lang="zh-CN" altLang="en-US" b="1" i="0" dirty="0">
+                <a:solidFill>
+                  <a:srgbClr val="121212"/>
+                </a:solidFill>
+                <a:effectLst/>
+                <a:latin typeface="-apple-system"/>
+                <a:hlinkClick r:id="rId3"/>
+              </a:rPr>
+              <a:t>什么是</a:t>
+            </a:r>
+            <a:r>
+              <a:rPr lang="en-US" altLang="zh-CN" b="1" i="0" dirty="0">
+                <a:solidFill>
+                  <a:srgbClr val="121212"/>
+                </a:solidFill>
+                <a:effectLst/>
+                <a:latin typeface="-apple-system"/>
+                <a:hlinkClick r:id="rId3"/>
+              </a:rPr>
+              <a:t>MVVM</a:t>
+            </a:r>
+            <a:r>
+              <a:rPr lang="zh-CN" altLang="en-US" b="1" i="0" dirty="0">
+                <a:solidFill>
+                  <a:srgbClr val="121212"/>
+                </a:solidFill>
+                <a:effectLst/>
+                <a:latin typeface="-apple-system"/>
+                <a:hlinkClick r:id="rId3"/>
+              </a:rPr>
+              <a:t>框架？</a:t>
+            </a:r>
+            <a:endParaRPr lang="zh-CN" altLang="en-US" b="1" i="0" dirty="0">
+              <a:solidFill>
+                <a:srgbClr val="121212"/>
+              </a:solidFill>
+              <a:effectLst/>
+              <a:latin typeface="-apple-system"/>
+            </a:endParaRPr>
+          </a:p>
+          <a:p>
+            <a:pPr>
+              <a:buFont typeface="Wingdings" panose="05000000000000000000" pitchFamily="2" charset="2"/>
+              <a:buChar char="l"/>
+            </a:pPr>
+            <a:endParaRPr lang="en-US" altLang="zh-CN" dirty="0"/>
+          </a:p>
+          <a:p>
+            <a:pPr marL="201168" lvl="1" indent="0">
+              <a:buNone/>
+            </a:pPr>
+            <a:endParaRPr lang="en-US" altLang="zh-CN" dirty="0"/>
+          </a:p>
+        </p:txBody>
+      </p:sp>
+    </p:spTree>
+    <p:extLst>
+      <p:ext uri="{BB962C8B-B14F-4D97-AF65-F5344CB8AC3E}">
+        <p14:creationId xmlns:p14="http://schemas.microsoft.com/office/powerpoint/2010/main" val="1349077125"/>
+      </p:ext>
+    </p:extLst>
+  </p:cSld>
+  <p:clrMapOvr>
+    <a:masterClrMapping/>
+  </p:clrMapOvr>
+</p:sld>
+</file>
+
 <file path=ppt/theme/theme1.xml><?xml version="1.0" encoding="utf-8"?>
 <a:theme xmlns:a="http://schemas.openxmlformats.org/drawingml/2006/main" name="回顾">
   <a:themeElements>

--- a/大纲outline.pptx
+++ b/大纲outline.pptx
@@ -342,7 +342,7 @@
           <a:p>
             <a:fld id="{294672D4-4664-4A7E-9A3E-F06AA24E3392}" type="datetimeFigureOut">
               <a:rPr lang="zh-CN" altLang="en-US" smtClean="0"/>
-              <a:t>2021/8/6</a:t>
+              <a:t>2021/11/14</a:t>
             </a:fld>
             <a:endParaRPr lang="zh-CN" altLang="en-US"/>
           </a:p>
@@ -550,7 +550,7 @@
           <a:p>
             <a:fld id="{294672D4-4664-4A7E-9A3E-F06AA24E3392}" type="datetimeFigureOut">
               <a:rPr lang="zh-CN" altLang="en-US" smtClean="0"/>
-              <a:t>2021/8/6</a:t>
+              <a:t>2021/11/14</a:t>
             </a:fld>
             <a:endParaRPr lang="zh-CN" altLang="en-US"/>
           </a:p>
@@ -806,7 +806,7 @@
           <a:p>
             <a:fld id="{294672D4-4664-4A7E-9A3E-F06AA24E3392}" type="datetimeFigureOut">
               <a:rPr lang="zh-CN" altLang="en-US" smtClean="0"/>
-              <a:t>2021/8/6</a:t>
+              <a:t>2021/11/14</a:t>
             </a:fld>
             <a:endParaRPr lang="zh-CN" altLang="en-US"/>
           </a:p>
@@ -980,7 +980,7 @@
           <a:p>
             <a:fld id="{294672D4-4664-4A7E-9A3E-F06AA24E3392}" type="datetimeFigureOut">
               <a:rPr lang="zh-CN" altLang="en-US" smtClean="0"/>
-              <a:t>2021/8/6</a:t>
+              <a:t>2021/11/14</a:t>
             </a:fld>
             <a:endParaRPr lang="zh-CN" altLang="en-US"/>
           </a:p>
@@ -1323,7 +1323,7 @@
           <a:p>
             <a:fld id="{294672D4-4664-4A7E-9A3E-F06AA24E3392}" type="datetimeFigureOut">
               <a:rPr lang="zh-CN" altLang="en-US" smtClean="0"/>
-              <a:t>2021/8/6</a:t>
+              <a:t>2021/11/14</a:t>
             </a:fld>
             <a:endParaRPr lang="zh-CN" altLang="en-US"/>
           </a:p>
@@ -1598,7 +1598,7 @@
           <a:p>
             <a:fld id="{294672D4-4664-4A7E-9A3E-F06AA24E3392}" type="datetimeFigureOut">
               <a:rPr lang="zh-CN" altLang="en-US" smtClean="0"/>
-              <a:t>2021/8/6</a:t>
+              <a:t>2021/11/14</a:t>
             </a:fld>
             <a:endParaRPr lang="zh-CN" altLang="en-US"/>
           </a:p>
@@ -1977,7 +1977,7 @@
           <a:p>
             <a:fld id="{294672D4-4664-4A7E-9A3E-F06AA24E3392}" type="datetimeFigureOut">
               <a:rPr lang="zh-CN" altLang="en-US" smtClean="0"/>
-              <a:t>2021/8/6</a:t>
+              <a:t>2021/11/14</a:t>
             </a:fld>
             <a:endParaRPr lang="zh-CN" altLang="en-US"/>
           </a:p>
@@ -2095,7 +2095,7 @@
           <a:p>
             <a:fld id="{294672D4-4664-4A7E-9A3E-F06AA24E3392}" type="datetimeFigureOut">
               <a:rPr lang="zh-CN" altLang="en-US" smtClean="0"/>
-              <a:t>2021/8/6</a:t>
+              <a:t>2021/11/14</a:t>
             </a:fld>
             <a:endParaRPr lang="zh-CN" altLang="en-US"/>
           </a:p>
@@ -2266,7 +2266,7 @@
           <a:p>
             <a:fld id="{294672D4-4664-4A7E-9A3E-F06AA24E3392}" type="datetimeFigureOut">
               <a:rPr lang="zh-CN" altLang="en-US" smtClean="0"/>
-              <a:t>2021/8/6</a:t>
+              <a:t>2021/11/14</a:t>
             </a:fld>
             <a:endParaRPr lang="zh-CN" altLang="en-US"/>
           </a:p>
@@ -2620,7 +2620,7 @@
           <a:p>
             <a:fld id="{294672D4-4664-4A7E-9A3E-F06AA24E3392}" type="datetimeFigureOut">
               <a:rPr lang="zh-CN" altLang="en-US" smtClean="0"/>
-              <a:t>2021/8/6</a:t>
+              <a:t>2021/11/14</a:t>
             </a:fld>
             <a:endParaRPr lang="zh-CN" altLang="en-US"/>
           </a:p>
@@ -3002,7 +3002,7 @@
           <a:p>
             <a:fld id="{294672D4-4664-4A7E-9A3E-F06AA24E3392}" type="datetimeFigureOut">
               <a:rPr lang="zh-CN" altLang="en-US" smtClean="0"/>
-              <a:t>2021/8/6</a:t>
+              <a:t>2021/11/14</a:t>
             </a:fld>
             <a:endParaRPr lang="zh-CN" altLang="en-US"/>
           </a:p>
@@ -3289,7 +3289,7 @@
           <a:p>
             <a:fld id="{294672D4-4664-4A7E-9A3E-F06AA24E3392}" type="datetimeFigureOut">
               <a:rPr lang="zh-CN" altLang="en-US" smtClean="0"/>
-              <a:t>2021/8/6</a:t>
+              <a:t>2021/11/14</a:t>
             </a:fld>
             <a:endParaRPr lang="zh-CN" altLang="en-US"/>
           </a:p>
@@ -4486,6 +4486,67 @@
               </a:rPr>
               <a:t>框架？</a:t>
             </a:r>
+            <a:endParaRPr lang="en-US" altLang="zh-CN" b="1" i="0" dirty="0">
+              <a:solidFill>
+                <a:srgbClr val="121212"/>
+              </a:solidFill>
+              <a:effectLst/>
+              <a:latin typeface="-apple-system"/>
+            </a:endParaRPr>
+          </a:p>
+          <a:p>
+            <a:pPr>
+              <a:buFont typeface="Wingdings" panose="05000000000000000000" pitchFamily="2" charset="2"/>
+              <a:buChar char="l"/>
+            </a:pPr>
+            <a:r>
+              <a:rPr lang="zh-CN" altLang="en-US" dirty="0">
+                <a:hlinkClick r:id="rId4"/>
+              </a:rPr>
+              <a:t>通过 </a:t>
+            </a:r>
+            <a:r>
+              <a:rPr lang="en-US" altLang="zh-CN" dirty="0">
+                <a:hlinkClick r:id="rId4"/>
+              </a:rPr>
+              <a:t>Windows </a:t>
+            </a:r>
+            <a:r>
+              <a:rPr lang="zh-CN" altLang="en-US" dirty="0">
+                <a:hlinkClick r:id="rId4"/>
+              </a:rPr>
+              <a:t>应用 </a:t>
+            </a:r>
+            <a:r>
+              <a:rPr lang="en-US" altLang="zh-CN" dirty="0">
+                <a:hlinkClick r:id="rId4"/>
+              </a:rPr>
+              <a:t>SDK </a:t>
+            </a:r>
+            <a:r>
+              <a:rPr lang="zh-CN" altLang="en-US" dirty="0">
+                <a:hlinkClick r:id="rId4"/>
+              </a:rPr>
+              <a:t>生成桌面 </a:t>
+            </a:r>
+            <a:r>
+              <a:rPr lang="en-US" altLang="zh-CN" dirty="0">
+                <a:hlinkClick r:id="rId4"/>
+              </a:rPr>
+              <a:t>Windows </a:t>
+            </a:r>
+            <a:r>
+              <a:rPr lang="zh-CN" altLang="en-US" dirty="0">
+                <a:hlinkClick r:id="rId4"/>
+              </a:rPr>
+              <a:t>应用 </a:t>
+            </a:r>
+            <a:r>
+              <a:rPr lang="en-US" altLang="zh-CN" dirty="0">
+                <a:hlinkClick r:id="rId4"/>
+              </a:rPr>
+              <a:t>- Windows apps | Microsoft Docs</a:t>
+            </a:r>
             <a:endParaRPr lang="zh-CN" altLang="en-US" b="1" i="0" dirty="0">
               <a:solidFill>
                 <a:srgbClr val="121212"/>
@@ -4499,12 +4560,61 @@
               <a:buFont typeface="Wingdings" panose="05000000000000000000" pitchFamily="2" charset="2"/>
               <a:buChar char="l"/>
             </a:pPr>
+            <a:r>
+              <a:rPr lang="en-US" altLang="zh-CN" dirty="0">
+                <a:hlinkClick r:id="rId5"/>
+              </a:rPr>
+              <a:t>Windows Template Studio</a:t>
+            </a:r>
             <a:endParaRPr lang="en-US" altLang="zh-CN" dirty="0"/>
           </a:p>
           <a:p>
-            <a:pPr marL="201168" lvl="1" indent="0">
-              <a:buNone/>
+            <a:pPr>
+              <a:buFont typeface="Wingdings" panose="05000000000000000000" pitchFamily="2" charset="2"/>
+              <a:buChar char="l"/>
             </a:pPr>
+            <a:r>
+              <a:rPr lang="en-US" altLang="zh-CN" dirty="0">
+                <a:hlinkClick r:id="rId6"/>
+              </a:rPr>
+              <a:t>UWP - </a:t>
+            </a:r>
+            <a:r>
+              <a:rPr lang="zh-CN" altLang="en-US" dirty="0">
+                <a:hlinkClick r:id="rId6"/>
+              </a:rPr>
+              <a:t>标签 </a:t>
+            </a:r>
+            <a:r>
+              <a:rPr lang="en-US" altLang="zh-CN" dirty="0">
+                <a:hlinkClick r:id="rId6"/>
+              </a:rPr>
+              <a:t>- </a:t>
+            </a:r>
+            <a:r>
+              <a:rPr lang="en-US" altLang="zh-CN" dirty="0" err="1">
+                <a:hlinkClick r:id="rId6"/>
+              </a:rPr>
+              <a:t>dino.c</a:t>
+            </a:r>
+            <a:r>
+              <a:rPr lang="en-US" altLang="zh-CN" dirty="0">
+                <a:hlinkClick r:id="rId6"/>
+              </a:rPr>
+              <a:t> - </a:t>
+            </a:r>
+            <a:r>
+              <a:rPr lang="zh-CN" altLang="en-US" dirty="0">
+                <a:hlinkClick r:id="rId6"/>
+              </a:rPr>
+              <a:t>博客园 </a:t>
+            </a:r>
+            <a:r>
+              <a:rPr lang="en-US" altLang="zh-CN" dirty="0">
+                <a:hlinkClick r:id="rId6"/>
+              </a:rPr>
+              <a:t>(cnblogs.com)</a:t>
+            </a:r>
             <a:endParaRPr lang="en-US" altLang="zh-CN" dirty="0"/>
           </a:p>
         </p:txBody>

--- a/大纲outline.pptx
+++ b/大纲outline.pptx
@@ -10,6 +10,8 @@
     <p:sldId id="258" r:id="rId4"/>
     <p:sldId id="259" r:id="rId5"/>
     <p:sldId id="260" r:id="rId6"/>
+    <p:sldId id="261" r:id="rId7"/>
+    <p:sldId id="262" r:id="rId8"/>
   </p:sldIdLst>
   <p:sldSz cx="12192000" cy="6858000"/>
   <p:notesSz cx="6858000" cy="9144000"/>
@@ -342,7 +344,7 @@
           <a:p>
             <a:fld id="{294672D4-4664-4A7E-9A3E-F06AA24E3392}" type="datetimeFigureOut">
               <a:rPr lang="zh-CN" altLang="en-US" smtClean="0"/>
-              <a:t>2021/11/14</a:t>
+              <a:t>2022/4/28</a:t>
             </a:fld>
             <a:endParaRPr lang="zh-CN" altLang="en-US"/>
           </a:p>
@@ -550,7 +552,7 @@
           <a:p>
             <a:fld id="{294672D4-4664-4A7E-9A3E-F06AA24E3392}" type="datetimeFigureOut">
               <a:rPr lang="zh-CN" altLang="en-US" smtClean="0"/>
-              <a:t>2021/11/14</a:t>
+              <a:t>2022/4/28</a:t>
             </a:fld>
             <a:endParaRPr lang="zh-CN" altLang="en-US"/>
           </a:p>
@@ -806,7 +808,7 @@
           <a:p>
             <a:fld id="{294672D4-4664-4A7E-9A3E-F06AA24E3392}" type="datetimeFigureOut">
               <a:rPr lang="zh-CN" altLang="en-US" smtClean="0"/>
-              <a:t>2021/11/14</a:t>
+              <a:t>2022/4/28</a:t>
             </a:fld>
             <a:endParaRPr lang="zh-CN" altLang="en-US"/>
           </a:p>
@@ -980,7 +982,7 @@
           <a:p>
             <a:fld id="{294672D4-4664-4A7E-9A3E-F06AA24E3392}" type="datetimeFigureOut">
               <a:rPr lang="zh-CN" altLang="en-US" smtClean="0"/>
-              <a:t>2021/11/14</a:t>
+              <a:t>2022/4/28</a:t>
             </a:fld>
             <a:endParaRPr lang="zh-CN" altLang="en-US"/>
           </a:p>
@@ -1323,7 +1325,7 @@
           <a:p>
             <a:fld id="{294672D4-4664-4A7E-9A3E-F06AA24E3392}" type="datetimeFigureOut">
               <a:rPr lang="zh-CN" altLang="en-US" smtClean="0"/>
-              <a:t>2021/11/14</a:t>
+              <a:t>2022/4/28</a:t>
             </a:fld>
             <a:endParaRPr lang="zh-CN" altLang="en-US"/>
           </a:p>
@@ -1598,7 +1600,7 @@
           <a:p>
             <a:fld id="{294672D4-4664-4A7E-9A3E-F06AA24E3392}" type="datetimeFigureOut">
               <a:rPr lang="zh-CN" altLang="en-US" smtClean="0"/>
-              <a:t>2021/11/14</a:t>
+              <a:t>2022/4/28</a:t>
             </a:fld>
             <a:endParaRPr lang="zh-CN" altLang="en-US"/>
           </a:p>
@@ -1977,7 +1979,7 @@
           <a:p>
             <a:fld id="{294672D4-4664-4A7E-9A3E-F06AA24E3392}" type="datetimeFigureOut">
               <a:rPr lang="zh-CN" altLang="en-US" smtClean="0"/>
-              <a:t>2021/11/14</a:t>
+              <a:t>2022/4/28</a:t>
             </a:fld>
             <a:endParaRPr lang="zh-CN" altLang="en-US"/>
           </a:p>
@@ -2095,7 +2097,7 @@
           <a:p>
             <a:fld id="{294672D4-4664-4A7E-9A3E-F06AA24E3392}" type="datetimeFigureOut">
               <a:rPr lang="zh-CN" altLang="en-US" smtClean="0"/>
-              <a:t>2021/11/14</a:t>
+              <a:t>2022/4/28</a:t>
             </a:fld>
             <a:endParaRPr lang="zh-CN" altLang="en-US"/>
           </a:p>
@@ -2266,7 +2268,7 @@
           <a:p>
             <a:fld id="{294672D4-4664-4A7E-9A3E-F06AA24E3392}" type="datetimeFigureOut">
               <a:rPr lang="zh-CN" altLang="en-US" smtClean="0"/>
-              <a:t>2021/11/14</a:t>
+              <a:t>2022/4/28</a:t>
             </a:fld>
             <a:endParaRPr lang="zh-CN" altLang="en-US"/>
           </a:p>
@@ -2620,7 +2622,7 @@
           <a:p>
             <a:fld id="{294672D4-4664-4A7E-9A3E-F06AA24E3392}" type="datetimeFigureOut">
               <a:rPr lang="zh-CN" altLang="en-US" smtClean="0"/>
-              <a:t>2021/11/14</a:t>
+              <a:t>2022/4/28</a:t>
             </a:fld>
             <a:endParaRPr lang="zh-CN" altLang="en-US"/>
           </a:p>
@@ -3002,7 +3004,7 @@
           <a:p>
             <a:fld id="{294672D4-4664-4A7E-9A3E-F06AA24E3392}" type="datetimeFigureOut">
               <a:rPr lang="zh-CN" altLang="en-US" smtClean="0"/>
-              <a:t>2021/11/14</a:t>
+              <a:t>2022/4/28</a:t>
             </a:fld>
             <a:endParaRPr lang="zh-CN" altLang="en-US"/>
           </a:p>
@@ -3289,7 +3291,7 @@
           <a:p>
             <a:fld id="{294672D4-4664-4A7E-9A3E-F06AA24E3392}" type="datetimeFigureOut">
               <a:rPr lang="zh-CN" altLang="en-US" smtClean="0"/>
-              <a:t>2021/11/14</a:t>
+              <a:t>2022/4/28</a:t>
             </a:fld>
             <a:endParaRPr lang="zh-CN" altLang="en-US"/>
           </a:p>
@@ -3834,11 +3836,46 @@
           <a:bodyPr/>
           <a:lstStyle/>
           <a:p>
-            <a:r>
-              <a:rPr lang="en-US" altLang="zh-CN" dirty="0" err="1"/>
-              <a:t>WinUI</a:t>
-            </a:r>
-            <a:endParaRPr lang="zh-CN" altLang="en-US" dirty="0"/>
+            <a:pPr algn="l"/>
+            <a:r>
+              <a:rPr lang="en-US" altLang="zh-CN" b="1" i="0" dirty="0">
+                <a:solidFill>
+                  <a:srgbClr val="171717"/>
+                </a:solidFill>
+                <a:effectLst/>
+                <a:latin typeface="Segoe UI" panose="020B0502040204020203" pitchFamily="34" charset="0"/>
+              </a:rPr>
+              <a:t>Windows </a:t>
+            </a:r>
+            <a:r>
+              <a:rPr lang="en-US" altLang="zh-CN" b="1" dirty="0">
+                <a:solidFill>
+                  <a:srgbClr val="171717"/>
+                </a:solidFill>
+                <a:latin typeface="Segoe UI" panose="020B0502040204020203" pitchFamily="34" charset="0"/>
+              </a:rPr>
+              <a:t>App</a:t>
+            </a:r>
+            <a:r>
+              <a:rPr lang="zh-CN" altLang="en-US" b="1" i="0" dirty="0">
+                <a:solidFill>
+                  <a:srgbClr val="171717"/>
+                </a:solidFill>
+                <a:effectLst/>
+                <a:latin typeface="Segoe UI" panose="020B0502040204020203" pitchFamily="34" charset="0"/>
+              </a:rPr>
+              <a:t> </a:t>
+            </a:r>
+            <a:r>
+              <a:rPr lang="en-US" altLang="zh-CN" b="1" i="0" dirty="0">
+                <a:solidFill>
+                  <a:srgbClr val="171717"/>
+                </a:solidFill>
+                <a:effectLst/>
+                <a:latin typeface="Segoe UI" panose="020B0502040204020203" pitchFamily="34" charset="0"/>
+              </a:rPr>
+              <a:t>SDK</a:t>
+            </a:r>
           </a:p>
         </p:txBody>
       </p:sp>
@@ -3858,9 +3895,16 @@
             <p:ph type="subTitle" idx="1"/>
           </p:nvPr>
         </p:nvSpPr>
-        <p:spPr/>
-        <p:txBody>
-          <a:bodyPr/>
+        <p:spPr>
+          <a:xfrm>
+            <a:off x="1100051" y="4455619"/>
+            <a:ext cx="10058400" cy="1420439"/>
+          </a:xfrm>
+        </p:spPr>
+        <p:txBody>
+          <a:bodyPr>
+            <a:normAutofit/>
+          </a:bodyPr>
           <a:lstStyle/>
           <a:p>
             <a:r>
@@ -3871,7 +3915,7 @@
                 <a:effectLst/>
                 <a:latin typeface="Segoe UI" panose="020B0502040204020203" pitchFamily="34" charset="0"/>
               </a:rPr>
-              <a:t>Windows UI </a:t>
+              <a:t>Windows </a:t>
             </a:r>
             <a:r>
               <a:rPr lang="zh-CN" altLang="en-US" b="0" i="0" dirty="0">
@@ -3881,7 +3925,7 @@
                 <a:effectLst/>
                 <a:latin typeface="Segoe UI" panose="020B0502040204020203" pitchFamily="34" charset="0"/>
               </a:rPr>
-              <a:t>库 </a:t>
+              <a:t>应用 </a:t>
             </a:r>
             <a:r>
               <a:rPr lang="en-US" altLang="zh-CN" b="0" i="0" dirty="0">
@@ -3891,17 +3935,17 @@
                 <a:effectLst/>
                 <a:latin typeface="Segoe UI" panose="020B0502040204020203" pitchFamily="34" charset="0"/>
               </a:rPr>
-              <a:t>(</a:t>
-            </a:r>
-            <a:r>
-              <a:rPr lang="en-US" altLang="zh-CN" b="0" i="0" dirty="0" err="1">
+              <a:t>SDK </a:t>
+            </a:r>
+            <a:r>
+              <a:rPr lang="zh-CN" altLang="en-US" b="0" i="0" dirty="0">
                 <a:solidFill>
                   <a:srgbClr val="171717"/>
                 </a:solidFill>
                 <a:effectLst/>
                 <a:latin typeface="Segoe UI" panose="020B0502040204020203" pitchFamily="34" charset="0"/>
               </a:rPr>
-              <a:t>WinUI</a:t>
+              <a:t>是一组新的开发人员组件和工具，它们代表着 </a:t>
             </a:r>
             <a:r>
               <a:rPr lang="en-US" altLang="zh-CN" b="0" i="0" dirty="0">
@@ -3911,7 +3955,7 @@
                 <a:effectLst/>
                 <a:latin typeface="Segoe UI" panose="020B0502040204020203" pitchFamily="34" charset="0"/>
               </a:rPr>
-              <a:t>) </a:t>
+              <a:t>Windows </a:t>
             </a:r>
             <a:r>
               <a:rPr lang="zh-CN" altLang="en-US" b="0" i="0" dirty="0">
@@ -3921,7 +3965,7 @@
                 <a:effectLst/>
                 <a:latin typeface="Segoe UI" panose="020B0502040204020203" pitchFamily="34" charset="0"/>
               </a:rPr>
-              <a:t>是适用于 </a:t>
+              <a:t>应用开发平台的下一步发展。 </a:t>
             </a:r>
             <a:r>
               <a:rPr lang="en-US" altLang="zh-CN" b="0" i="0" dirty="0">
@@ -3941,7 +3985,7 @@
                 <a:effectLst/>
                 <a:latin typeface="Segoe UI" panose="020B0502040204020203" pitchFamily="34" charset="0"/>
               </a:rPr>
-              <a:t>桌面应用程序和 </a:t>
+              <a:t>应用 </a:t>
             </a:r>
             <a:r>
               <a:rPr lang="en-US" altLang="zh-CN" b="0" i="0" dirty="0">
@@ -3951,7 +3995,7 @@
                 <a:effectLst/>
                 <a:latin typeface="Segoe UI" panose="020B0502040204020203" pitchFamily="34" charset="0"/>
               </a:rPr>
-              <a:t>UWP </a:t>
+              <a:t>SDK </a:t>
             </a:r>
             <a:r>
               <a:rPr lang="zh-CN" altLang="en-US" b="0" i="0" dirty="0">
@@ -3961,7 +4005,7 @@
                 <a:effectLst/>
                 <a:latin typeface="Segoe UI" panose="020B0502040204020203" pitchFamily="34" charset="0"/>
               </a:rPr>
-              <a:t>应用程序的本机用户体验 </a:t>
+              <a:t>提供一组统一的 </a:t>
             </a:r>
             <a:r>
               <a:rPr lang="en-US" altLang="zh-CN" b="0" i="0" dirty="0">
@@ -3971,7 +4015,7 @@
                 <a:effectLst/>
                 <a:latin typeface="Segoe UI" panose="020B0502040204020203" pitchFamily="34" charset="0"/>
               </a:rPr>
-              <a:t>(UX) </a:t>
+              <a:t>API </a:t>
             </a:r>
             <a:r>
               <a:rPr lang="zh-CN" altLang="en-US" b="0" i="0" dirty="0">
@@ -3981,7 +4025,67 @@
                 <a:effectLst/>
                 <a:latin typeface="Segoe UI" panose="020B0502040204020203" pitchFamily="34" charset="0"/>
               </a:rPr>
-              <a:t>框架。</a:t>
+              <a:t>和工具，可供从 </a:t>
+            </a:r>
+            <a:r>
+              <a:rPr lang="en-US" altLang="zh-CN" b="0" i="0" dirty="0">
+                <a:solidFill>
+                  <a:srgbClr val="171717"/>
+                </a:solidFill>
+                <a:effectLst/>
+                <a:latin typeface="Segoe UI" panose="020B0502040204020203" pitchFamily="34" charset="0"/>
+              </a:rPr>
+              <a:t>Windows 11 </a:t>
+            </a:r>
+            <a:r>
+              <a:rPr lang="zh-CN" altLang="en-US" b="0" i="0" dirty="0">
+                <a:solidFill>
+                  <a:srgbClr val="171717"/>
+                </a:solidFill>
+                <a:effectLst/>
+                <a:latin typeface="Segoe UI" panose="020B0502040204020203" pitchFamily="34" charset="0"/>
+              </a:rPr>
+              <a:t>到 </a:t>
+            </a:r>
+            <a:r>
+              <a:rPr lang="en-US" altLang="zh-CN" b="0" i="0" dirty="0">
+                <a:solidFill>
+                  <a:srgbClr val="171717"/>
+                </a:solidFill>
+                <a:effectLst/>
+                <a:latin typeface="Segoe UI" panose="020B0502040204020203" pitchFamily="34" charset="0"/>
+              </a:rPr>
+              <a:t>Windows 10 </a:t>
+            </a:r>
+            <a:r>
+              <a:rPr lang="zh-CN" altLang="en-US" b="0" i="0" dirty="0">
+                <a:solidFill>
+                  <a:srgbClr val="171717"/>
+                </a:solidFill>
+                <a:effectLst/>
+                <a:latin typeface="Segoe UI" panose="020B0502040204020203" pitchFamily="34" charset="0"/>
+              </a:rPr>
+              <a:t>版本 </a:t>
+            </a:r>
+            <a:r>
+              <a:rPr lang="en-US" altLang="zh-CN" b="0" i="0" dirty="0">
+                <a:solidFill>
+                  <a:srgbClr val="171717"/>
+                </a:solidFill>
+                <a:effectLst/>
+                <a:latin typeface="Segoe UI" panose="020B0502040204020203" pitchFamily="34" charset="0"/>
+              </a:rPr>
+              <a:t>1809 </a:t>
+            </a:r>
+            <a:r>
+              <a:rPr lang="zh-CN" altLang="en-US" b="0" i="0" dirty="0">
+                <a:solidFill>
+                  <a:srgbClr val="171717"/>
+                </a:solidFill>
+                <a:effectLst/>
+                <a:latin typeface="Segoe UI" panose="020B0502040204020203" pitchFamily="34" charset="0"/>
+              </a:rPr>
+              <a:t>上的任何桌面应用以一致的方式使用。</a:t>
             </a:r>
             <a:endParaRPr lang="zh-CN" altLang="en-US" dirty="0"/>
           </a:p>
@@ -4623,6 +4727,435 @@
     <p:extLst>
       <p:ext uri="{BB962C8B-B14F-4D97-AF65-F5344CB8AC3E}">
         <p14:creationId xmlns:p14="http://schemas.microsoft.com/office/powerpoint/2010/main" val="1349077125"/>
+      </p:ext>
+    </p:extLst>
+  </p:cSld>
+  <p:clrMapOvr>
+    <a:masterClrMapping/>
+  </p:clrMapOvr>
+</p:sld>
+</file>
+
+<file path=ppt/slides/slide6.xml><?xml version="1.0" encoding="utf-8"?>
+<p:sld xmlns:a="http://schemas.openxmlformats.org/drawingml/2006/main" xmlns:r="http://schemas.openxmlformats.org/officeDocument/2006/relationships" xmlns:p="http://schemas.openxmlformats.org/presentationml/2006/main">
+  <p:cSld>
+    <p:spTree>
+      <p:nvGrpSpPr>
+        <p:cNvPr id="1" name=""/>
+        <p:cNvGrpSpPr/>
+        <p:nvPr/>
+      </p:nvGrpSpPr>
+      <p:grpSpPr>
+        <a:xfrm>
+          <a:off x="0" y="0"/>
+          <a:ext cx="0" cy="0"/>
+          <a:chOff x="0" y="0"/>
+          <a:chExt cx="0" cy="0"/>
+        </a:xfrm>
+      </p:grpSpPr>
+      <p:sp>
+        <p:nvSpPr>
+          <p:cNvPr id="2" name="标题 1">
+            <a:extLst>
+              <a:ext uri="{FF2B5EF4-FFF2-40B4-BE49-F238E27FC236}">
+                <a16:creationId xmlns:a16="http://schemas.microsoft.com/office/drawing/2014/main" id="{54FF0A90-12D2-451F-BDD2-961ACD3D84D3}"/>
+              </a:ext>
+            </a:extLst>
+          </p:cNvPr>
+          <p:cNvSpPr>
+            <a:spLocks noGrp="1"/>
+          </p:cNvSpPr>
+          <p:nvPr>
+            <p:ph type="title"/>
+          </p:nvPr>
+        </p:nvSpPr>
+        <p:spPr/>
+        <p:txBody>
+          <a:bodyPr/>
+          <a:lstStyle/>
+          <a:p>
+            <a:r>
+              <a:rPr lang="en-US" altLang="zh-CN" b="1" i="0" dirty="0">
+                <a:solidFill>
+                  <a:srgbClr val="171717"/>
+                </a:solidFill>
+                <a:effectLst/>
+                <a:latin typeface="Segoe UI" panose="020B0502040204020203" pitchFamily="34" charset="0"/>
+              </a:rPr>
+              <a:t>Windows </a:t>
+            </a:r>
+            <a:r>
+              <a:rPr lang="zh-CN" altLang="en-US" b="1" i="0" dirty="0">
+                <a:solidFill>
+                  <a:srgbClr val="171717"/>
+                </a:solidFill>
+                <a:effectLst/>
+                <a:latin typeface="Segoe UI" panose="020B0502040204020203" pitchFamily="34" charset="0"/>
+              </a:rPr>
+              <a:t>应用 </a:t>
+            </a:r>
+            <a:r>
+              <a:rPr lang="en-US" altLang="zh-CN" b="1" i="0" dirty="0">
+                <a:solidFill>
+                  <a:srgbClr val="171717"/>
+                </a:solidFill>
+                <a:effectLst/>
+                <a:latin typeface="Segoe UI" panose="020B0502040204020203" pitchFamily="34" charset="0"/>
+              </a:rPr>
+              <a:t>SDK </a:t>
+            </a:r>
+            <a:r>
+              <a:rPr lang="zh-CN" altLang="en-US" b="1" i="0" dirty="0">
+                <a:solidFill>
+                  <a:srgbClr val="171717"/>
+                </a:solidFill>
+                <a:effectLst/>
+                <a:latin typeface="Segoe UI" panose="020B0502040204020203" pitchFamily="34" charset="0"/>
+              </a:rPr>
+              <a:t>功能</a:t>
+            </a:r>
+            <a:endParaRPr lang="zh-CN" altLang="en-US" dirty="0"/>
+          </a:p>
+        </p:txBody>
+      </p:sp>
+      <p:sp>
+        <p:nvSpPr>
+          <p:cNvPr id="3" name="内容占位符 2">
+            <a:extLst>
+              <a:ext uri="{FF2B5EF4-FFF2-40B4-BE49-F238E27FC236}">
+                <a16:creationId xmlns:a16="http://schemas.microsoft.com/office/drawing/2014/main" id="{2D4AC29F-F670-4889-8950-4A1A1DDB0AA5}"/>
+              </a:ext>
+            </a:extLst>
+          </p:cNvPr>
+          <p:cNvSpPr>
+            <a:spLocks noGrp="1"/>
+          </p:cNvSpPr>
+          <p:nvPr>
+            <p:ph idx="1"/>
+          </p:nvPr>
+        </p:nvSpPr>
+        <p:spPr/>
+        <p:txBody>
+          <a:bodyPr/>
+          <a:lstStyle/>
+          <a:p>
+            <a:pPr>
+              <a:buFont typeface="Wingdings" panose="05000000000000000000" pitchFamily="2" charset="2"/>
+              <a:buChar char="l"/>
+            </a:pPr>
+            <a:r>
+              <a:rPr lang="en-US" altLang="zh-CN" b="0" i="0" u="sng" dirty="0" err="1">
+                <a:effectLst/>
+                <a:latin typeface="Segoe UI" panose="020B0502040204020203" pitchFamily="34" charset="0"/>
+                <a:hlinkClick r:id="rId2"/>
+              </a:rPr>
+              <a:t>WinUI</a:t>
+            </a:r>
+            <a:r>
+              <a:rPr lang="en-US" altLang="zh-CN" b="0" i="0" u="sng" dirty="0">
+                <a:effectLst/>
+                <a:latin typeface="Segoe UI" panose="020B0502040204020203" pitchFamily="34" charset="0"/>
+                <a:hlinkClick r:id="rId2"/>
+              </a:rPr>
+              <a:t> 3</a:t>
+            </a:r>
+            <a:endParaRPr lang="en-US" altLang="zh-CN" b="0" i="0" u="sng" dirty="0">
+              <a:effectLst/>
+              <a:latin typeface="Segoe UI" panose="020B0502040204020203" pitchFamily="34" charset="0"/>
+            </a:endParaRPr>
+          </a:p>
+          <a:p>
+            <a:pPr>
+              <a:buFont typeface="Wingdings" panose="05000000000000000000" pitchFamily="2" charset="2"/>
+              <a:buChar char="l"/>
+            </a:pPr>
+            <a:r>
+              <a:rPr lang="zh-CN" altLang="en-US" b="0" i="0" u="sng" dirty="0">
+                <a:effectLst/>
+                <a:latin typeface="Segoe UI" panose="020B0502040204020203" pitchFamily="34" charset="0"/>
+                <a:hlinkClick r:id="rId3"/>
+              </a:rPr>
+              <a:t>使用 </a:t>
+            </a:r>
+            <a:r>
+              <a:rPr lang="en-US" altLang="zh-CN" b="0" i="0" u="sng" dirty="0" err="1">
+                <a:effectLst/>
+                <a:latin typeface="Segoe UI" panose="020B0502040204020203" pitchFamily="34" charset="0"/>
+                <a:hlinkClick r:id="rId3"/>
+              </a:rPr>
+              <a:t>DWriteCore</a:t>
+            </a:r>
+            <a:r>
+              <a:rPr lang="en-US" altLang="zh-CN" b="0" i="0" u="sng" dirty="0">
+                <a:effectLst/>
+                <a:latin typeface="Segoe UI" panose="020B0502040204020203" pitchFamily="34" charset="0"/>
+                <a:hlinkClick r:id="rId3"/>
+              </a:rPr>
+              <a:t> </a:t>
+            </a:r>
+            <a:r>
+              <a:rPr lang="zh-CN" altLang="en-US" b="0" i="0" u="sng" dirty="0">
+                <a:effectLst/>
+                <a:latin typeface="Segoe UI" panose="020B0502040204020203" pitchFamily="34" charset="0"/>
+                <a:hlinkClick r:id="rId3"/>
+              </a:rPr>
+              <a:t>呈现文本</a:t>
+            </a:r>
+            <a:endParaRPr lang="en-US" altLang="zh-CN" u="sng" dirty="0">
+              <a:latin typeface="Segoe UI" panose="020B0502040204020203" pitchFamily="34" charset="0"/>
+            </a:endParaRPr>
+          </a:p>
+          <a:p>
+            <a:pPr>
+              <a:buFont typeface="Wingdings" panose="05000000000000000000" pitchFamily="2" charset="2"/>
+              <a:buChar char="l"/>
+            </a:pPr>
+            <a:r>
+              <a:rPr lang="zh-CN" altLang="en-US" b="0" i="0" u="sng" dirty="0">
+                <a:effectLst/>
+                <a:latin typeface="Segoe UI" panose="020B0502040204020203" pitchFamily="34" charset="0"/>
+                <a:hlinkClick r:id="rId4"/>
+              </a:rPr>
+              <a:t>使用 </a:t>
+            </a:r>
+            <a:r>
+              <a:rPr lang="en-US" altLang="zh-CN" b="0" i="0" u="sng" dirty="0">
+                <a:effectLst/>
+                <a:latin typeface="Segoe UI" panose="020B0502040204020203" pitchFamily="34" charset="0"/>
+                <a:hlinkClick r:id="rId4"/>
+              </a:rPr>
+              <a:t>MRT Core </a:t>
+            </a:r>
+            <a:r>
+              <a:rPr lang="zh-CN" altLang="en-US" b="0" i="0" u="sng" dirty="0">
+                <a:effectLst/>
+                <a:latin typeface="Segoe UI" panose="020B0502040204020203" pitchFamily="34" charset="0"/>
+                <a:hlinkClick r:id="rId4"/>
+              </a:rPr>
+              <a:t>管理资源</a:t>
+            </a:r>
+            <a:endParaRPr lang="en-US" altLang="zh-CN" b="0" i="0" u="sng" dirty="0">
+              <a:effectLst/>
+              <a:latin typeface="Segoe UI" panose="020B0502040204020203" pitchFamily="34" charset="0"/>
+            </a:endParaRPr>
+          </a:p>
+          <a:p>
+            <a:pPr>
+              <a:buFont typeface="Wingdings" panose="05000000000000000000" pitchFamily="2" charset="2"/>
+              <a:buChar char="l"/>
+            </a:pPr>
+            <a:r>
+              <a:rPr lang="zh-CN" altLang="en-US" b="0" i="0" u="sng" dirty="0">
+                <a:effectLst/>
+                <a:latin typeface="Segoe UI" panose="020B0502040204020203" pitchFamily="34" charset="0"/>
+                <a:hlinkClick r:id="rId5"/>
+              </a:rPr>
+              <a:t>应用生命周期：应用实例化</a:t>
+            </a:r>
+            <a:endParaRPr lang="en-US" altLang="zh-CN" u="sng" dirty="0">
+              <a:latin typeface="Segoe UI" panose="020B0502040204020203" pitchFamily="34" charset="0"/>
+            </a:endParaRPr>
+          </a:p>
+          <a:p>
+            <a:pPr>
+              <a:buFont typeface="Wingdings" panose="05000000000000000000" pitchFamily="2" charset="2"/>
+              <a:buChar char="l"/>
+            </a:pPr>
+            <a:r>
+              <a:rPr lang="zh-CN" altLang="en-US" b="0" i="0" u="sng" dirty="0">
+                <a:effectLst/>
+                <a:latin typeface="Segoe UI" panose="020B0502040204020203" pitchFamily="34" charset="0"/>
+                <a:hlinkClick r:id="rId6"/>
+              </a:rPr>
+              <a:t>应用生命周期：丰富激活</a:t>
+            </a:r>
+            <a:endParaRPr lang="en-US" altLang="zh-CN" b="0" i="0" u="sng" dirty="0">
+              <a:effectLst/>
+              <a:latin typeface="Segoe UI" panose="020B0502040204020203" pitchFamily="34" charset="0"/>
+            </a:endParaRPr>
+          </a:p>
+          <a:p>
+            <a:pPr>
+              <a:buFont typeface="Wingdings" panose="05000000000000000000" pitchFamily="2" charset="2"/>
+              <a:buChar char="l"/>
+            </a:pPr>
+            <a:r>
+              <a:rPr lang="zh-CN" altLang="en-US" b="0" i="0" u="sng" dirty="0">
+                <a:effectLst/>
+                <a:latin typeface="Segoe UI" panose="020B0502040204020203" pitchFamily="34" charset="0"/>
+                <a:hlinkClick r:id="rId7"/>
+              </a:rPr>
+              <a:t>应用生命周期：电源管理</a:t>
+            </a:r>
+            <a:endParaRPr lang="en-US" altLang="zh-CN" u="sng" dirty="0">
+              <a:latin typeface="Segoe UI" panose="020B0502040204020203" pitchFamily="34" charset="0"/>
+            </a:endParaRPr>
+          </a:p>
+          <a:p>
+            <a:pPr>
+              <a:buFont typeface="Wingdings" panose="05000000000000000000" pitchFamily="2" charset="2"/>
+              <a:buChar char="l"/>
+            </a:pPr>
+            <a:r>
+              <a:rPr lang="zh-CN" altLang="en-US" b="0" i="0" u="sng" dirty="0">
+                <a:effectLst/>
+                <a:latin typeface="Segoe UI" panose="020B0502040204020203" pitchFamily="34" charset="0"/>
+                <a:hlinkClick r:id="rId8"/>
+              </a:rPr>
+              <a:t>管理应用窗口</a:t>
+            </a:r>
+            <a:endParaRPr lang="en-US" altLang="zh-CN" b="0" i="0" u="sng" dirty="0">
+              <a:effectLst/>
+              <a:latin typeface="Segoe UI" panose="020B0502040204020203" pitchFamily="34" charset="0"/>
+            </a:endParaRPr>
+          </a:p>
+          <a:p>
+            <a:pPr>
+              <a:buFont typeface="Wingdings" panose="05000000000000000000" pitchFamily="2" charset="2"/>
+              <a:buChar char="l"/>
+            </a:pPr>
+            <a:r>
+              <a:rPr lang="zh-CN" altLang="en-US" b="0" i="0" u="sng" dirty="0">
+                <a:effectLst/>
+                <a:latin typeface="Segoe UI" panose="020B0502040204020203" pitchFamily="34" charset="0"/>
+                <a:hlinkClick r:id="rId9"/>
+              </a:rPr>
+              <a:t>推送通知</a:t>
+            </a:r>
+            <a:endParaRPr lang="en-US" altLang="zh-CN" u="sng" dirty="0">
+              <a:latin typeface="Segoe UI" panose="020B0502040204020203" pitchFamily="34" charset="0"/>
+            </a:endParaRPr>
+          </a:p>
+          <a:p>
+            <a:pPr>
+              <a:buFont typeface="Wingdings" panose="05000000000000000000" pitchFamily="2" charset="2"/>
+              <a:buChar char="l"/>
+            </a:pPr>
+            <a:r>
+              <a:rPr lang="zh-CN" altLang="en-US" b="0" i="0" u="sng" dirty="0">
+                <a:effectLst/>
+                <a:latin typeface="Segoe UI" panose="020B0502040204020203" pitchFamily="34" charset="0"/>
+                <a:hlinkClick r:id="rId10"/>
+              </a:rPr>
+              <a:t>部署</a:t>
+            </a:r>
+            <a:endParaRPr lang="en-US" altLang="zh-CN" dirty="0"/>
+          </a:p>
+        </p:txBody>
+      </p:sp>
+    </p:spTree>
+    <p:extLst>
+      <p:ext uri="{BB962C8B-B14F-4D97-AF65-F5344CB8AC3E}">
+        <p14:creationId xmlns:p14="http://schemas.microsoft.com/office/powerpoint/2010/main" val="2639537355"/>
+      </p:ext>
+    </p:extLst>
+  </p:cSld>
+  <p:clrMapOvr>
+    <a:masterClrMapping/>
+  </p:clrMapOvr>
+</p:sld>
+</file>
+
+<file path=ppt/slides/slide7.xml><?xml version="1.0" encoding="utf-8"?>
+<p:sld xmlns:a="http://schemas.openxmlformats.org/drawingml/2006/main" xmlns:r="http://schemas.openxmlformats.org/officeDocument/2006/relationships" xmlns:p="http://schemas.openxmlformats.org/presentationml/2006/main">
+  <p:cSld>
+    <p:spTree>
+      <p:nvGrpSpPr>
+        <p:cNvPr id="1" name=""/>
+        <p:cNvGrpSpPr/>
+        <p:nvPr/>
+      </p:nvGrpSpPr>
+      <p:grpSpPr>
+        <a:xfrm>
+          <a:off x="0" y="0"/>
+          <a:ext cx="0" cy="0"/>
+          <a:chOff x="0" y="0"/>
+          <a:chExt cx="0" cy="0"/>
+        </a:xfrm>
+      </p:grpSpPr>
+      <p:sp>
+        <p:nvSpPr>
+          <p:cNvPr id="2" name="标题 1">
+            <a:extLst>
+              <a:ext uri="{FF2B5EF4-FFF2-40B4-BE49-F238E27FC236}">
+                <a16:creationId xmlns:a16="http://schemas.microsoft.com/office/drawing/2014/main" id="{842348A7-94DD-426C-A268-5CD6E8081FCE}"/>
+              </a:ext>
+            </a:extLst>
+          </p:cNvPr>
+          <p:cNvSpPr>
+            <a:spLocks noGrp="1"/>
+          </p:cNvSpPr>
+          <p:nvPr>
+            <p:ph type="title"/>
+          </p:nvPr>
+        </p:nvSpPr>
+        <p:spPr/>
+        <p:txBody>
+          <a:bodyPr/>
+          <a:lstStyle/>
+          <a:p>
+            <a:r>
+              <a:rPr lang="en-US" altLang="zh-CN" dirty="0" err="1"/>
+              <a:t>LiteDB</a:t>
+            </a:r>
+            <a:r>
+              <a:rPr lang="zh-CN" altLang="en-US" dirty="0"/>
+              <a:t>制作女演员图鉴</a:t>
+            </a:r>
+          </a:p>
+        </p:txBody>
+      </p:sp>
+      <p:sp>
+        <p:nvSpPr>
+          <p:cNvPr id="3" name="内容占位符 2">
+            <a:extLst>
+              <a:ext uri="{FF2B5EF4-FFF2-40B4-BE49-F238E27FC236}">
+                <a16:creationId xmlns:a16="http://schemas.microsoft.com/office/drawing/2014/main" id="{40473A67-128B-4393-A579-B0012BBFBAC2}"/>
+              </a:ext>
+            </a:extLst>
+          </p:cNvPr>
+          <p:cNvSpPr>
+            <a:spLocks noGrp="1"/>
+          </p:cNvSpPr>
+          <p:nvPr>
+            <p:ph idx="1"/>
+          </p:nvPr>
+        </p:nvSpPr>
+        <p:spPr/>
+        <p:txBody>
+          <a:bodyPr/>
+          <a:lstStyle/>
+          <a:p>
+            <a:pPr>
+              <a:buFont typeface="Wingdings" panose="05000000000000000000" pitchFamily="2" charset="2"/>
+              <a:buChar char="l"/>
+            </a:pPr>
+            <a:r>
+              <a:rPr lang="en-US" altLang="zh-CN" dirty="0" err="1"/>
+              <a:t>LiteDB</a:t>
+            </a:r>
+            <a:endParaRPr lang="en-US" altLang="zh-CN" dirty="0"/>
+          </a:p>
+          <a:p>
+            <a:pPr>
+              <a:buFont typeface="Wingdings" panose="05000000000000000000" pitchFamily="2" charset="2"/>
+              <a:buChar char="l"/>
+            </a:pPr>
+            <a:r>
+              <a:rPr lang="en-US" altLang="zh-CN" dirty="0"/>
+              <a:t>WinUI3</a:t>
+            </a:r>
+            <a:r>
+              <a:rPr lang="zh-CN" altLang="en-US" dirty="0"/>
+              <a:t>的界面库</a:t>
+            </a:r>
+          </a:p>
+        </p:txBody>
+      </p:sp>
+    </p:spTree>
+    <p:extLst>
+      <p:ext uri="{BB962C8B-B14F-4D97-AF65-F5344CB8AC3E}">
+        <p14:creationId xmlns:p14="http://schemas.microsoft.com/office/powerpoint/2010/main" val="4052160488"/>
       </p:ext>
     </p:extLst>
   </p:cSld>
